--- a/_PRESENTATION/healthcare_cost_consitency7.pptx
+++ b/_PRESENTATION/healthcare_cost_consitency7.pptx
@@ -7987,14 +7987,23 @@
         <p:spPr/>
         <p:txBody>
           <a:bodyPr>
-            <a:normAutofit/>
+            <a:normAutofit lnSpcReduction="10000"/>
           </a:bodyPr>
           <a:lstStyle/>
           <a:p>
             <a:r>
-              <a:rPr lang="en-US" dirty="0"/>
+              <a:rPr lang="en-US" b="1" dirty="0"/>
               <a:t>Team Viper – UC San Diego - Data Science</a:t>
             </a:r>
+          </a:p>
+          <a:p>
+            <a:r>
+              <a:rPr lang="en-US" sz="2400" dirty="0"/>
+              <a:t>Tyler Adams | Brendan Steinke | Ron Javor</a:t>
+            </a:r>
+          </a:p>
+          <a:p>
+            <a:endParaRPr lang="en-US" dirty="0"/>
           </a:p>
           <a:p>
             <a:r>
@@ -13967,15 +13976,6 @@
 </file>
 
 <file path=customXml/item1.xml><?xml version="1.0" encoding="utf-8"?>
-<?mso-contentType ?>
-<FormTemplates xmlns="http://schemas.microsoft.com/sharepoint/v3/contenttype/forms">
-  <Display>DocumentLibraryForm</Display>
-  <Edit>AssetEditForm</Edit>
-  <New>DocumentLibraryForm</New>
-</FormTemplates>
-</file>
-
-<file path=customXml/item2.xml><?xml version="1.0" encoding="utf-8"?>
 <p:properties xmlns:p="http://schemas.microsoft.com/office/2006/metadata/properties" xmlns:xsi="http://www.w3.org/2001/XMLSchema-instance" xmlns:pc="http://schemas.microsoft.com/office/infopath/2007/PartnerControls">
   <documentManagement>
     <APDescription xmlns="4873beb7-5857-4685-be1f-d57550cc96cc" xsi:nil="true"/>
@@ -14099,6 +14099,15 @@
     <UANotes xmlns="4873beb7-5857-4685-be1f-d57550cc96cc" xsi:nil="true"/>
   </documentManagement>
 </p:properties>
+</file>
+
+<file path=customXml/item2.xml><?xml version="1.0" encoding="utf-8"?>
+<?mso-contentType ?>
+<FormTemplates xmlns="http://schemas.microsoft.com/sharepoint/v3/contenttype/forms">
+  <Display>DocumentLibraryForm</Display>
+  <Edit>AssetEditForm</Edit>
+  <New>DocumentLibraryForm</New>
+</FormTemplates>
 </file>
 
 <file path=customXml/item3.xml><?xml version="1.0" encoding="utf-8"?>
@@ -15142,14 +15151,6 @@
 </file>
 
 <file path=customXml/itemProps1.xml><?xml version="1.0" encoding="utf-8"?>
-<ds:datastoreItem xmlns:ds="http://schemas.openxmlformats.org/officeDocument/2006/customXml" ds:itemID="{100AC149-8447-4BE5-88C7-DBE24EA73E83}">
-  <ds:schemaRefs>
-    <ds:schemaRef ds:uri="http://schemas.microsoft.com/sharepoint/v3/contenttype/forms"/>
-  </ds:schemaRefs>
-</ds:datastoreItem>
-</file>
-
-<file path=customXml/itemProps2.xml><?xml version="1.0" encoding="utf-8"?>
 <ds:datastoreItem xmlns:ds="http://schemas.openxmlformats.org/officeDocument/2006/customXml" ds:itemID="{D0D1C9B0-FE26-433B-8E1A-54CCDFA4EB1D}">
   <ds:schemaRefs>
     <ds:schemaRef ds:uri="http://purl.org/dc/terms/"/>
@@ -15161,6 +15162,14 @@
     <ds:schemaRef ds:uri="http://www.w3.org/XML/1998/namespace"/>
     <ds:schemaRef ds:uri="http://schemas.openxmlformats.org/package/2006/metadata/core-properties"/>
     <ds:schemaRef ds:uri="4873beb7-5857-4685-be1f-d57550cc96cc"/>
+  </ds:schemaRefs>
+</ds:datastoreItem>
+</file>
+
+<file path=customXml/itemProps2.xml><?xml version="1.0" encoding="utf-8"?>
+<ds:datastoreItem xmlns:ds="http://schemas.openxmlformats.org/officeDocument/2006/customXml" ds:itemID="{100AC149-8447-4BE5-88C7-DBE24EA73E83}">
+  <ds:schemaRefs>
+    <ds:schemaRef ds:uri="http://schemas.microsoft.com/sharepoint/v3/contenttype/forms"/>
   </ds:schemaRefs>
 </ds:datastoreItem>
 </file>
